--- a/软件开发合作建议.pptx
+++ b/软件开发合作建议.pptx
@@ -5,12 +5,12 @@
     <p:sldMasterId id="2147483648" r:id="rId1"/>
   </p:sldMasterIdLst>
   <p:sldIdLst>
-    <p:sldId id="256" r:id="rId2"/>
-    <p:sldId id="257" r:id="rId3"/>
-    <p:sldId id="258" r:id="rId4"/>
-    <p:sldId id="259" r:id="rId5"/>
-    <p:sldId id="260" r:id="rId6"/>
-    <p:sldId id="261" r:id="rId7"/>
+    <p:sldId id="256" r:id="rId3"/>
+    <p:sldId id="257" r:id="rId4"/>
+    <p:sldId id="258" r:id="rId5"/>
+    <p:sldId id="259" r:id="rId6"/>
+    <p:sldId id="260" r:id="rId7"/>
+    <p:sldId id="261" r:id="rId8"/>
   </p:sldIdLst>
   <p:sldSz cx="12192000" cy="6858000"/>
   <p:notesSz cx="6858000" cy="9144000"/>
@@ -113,7 +113,7 @@
 </file>
 
 <file path=ppt/slideLayouts/slideLayout1.xml><?xml version="1.0" encoding="utf-8"?>
-<p:sldLayout xmlns:a="http://schemas.openxmlformats.org/drawingml/2006/main" xmlns:r="http://schemas.openxmlformats.org/officeDocument/2006/relationships" xmlns:p="http://schemas.openxmlformats.org/presentationml/2006/main" showMasterSp="0" type="title" preserve="1">
+<p:sldLayout xmlns:a="http://schemas.openxmlformats.org/drawingml/2006/main" xmlns:r="http://schemas.openxmlformats.org/officeDocument/2006/relationships" xmlns:p="http://schemas.openxmlformats.org/presentationml/2006/main" type="title" preserve="1" showMasterSp="0">
   <p:cSld name="Title Slide">
     <p:bg>
       <p:bgPr>
@@ -281,8 +281,6 @@
           <a:p>
             <a:fld id="{87DE6118-2437-4B30-8E3C-4D2BE6020583}" type="datetimeFigureOut">
               <a:rPr lang="en-US" dirty="0"/>
-              <a:pPr/>
-              <a:t>10/25/2017</a:t>
             </a:fld>
             <a:endParaRPr lang="en-US" dirty="0"/>
           </a:p>
@@ -350,8 +348,6 @@
           <a:p>
             <a:fld id="{69E57DC2-970A-4B3E-BB1C-7A09969E49DF}" type="slidenum">
               <a:rPr lang="en-US" dirty="0"/>
-              <a:pPr/>
-              <a:t>‹#›</a:t>
             </a:fld>
             <a:endParaRPr lang="en-US" dirty="0"/>
           </a:p>
@@ -422,8 +418,6 @@
               <a:noFill/>
               <a:prstDash val="solid"/>
               <a:round/>
-              <a:headEnd/>
-              <a:tailEnd/>
             </a:ln>
           </p:spPr>
         </p:sp>
@@ -480,8 +474,6 @@
               <a:noFill/>
               <a:prstDash val="solid"/>
               <a:round/>
-              <a:headEnd/>
-              <a:tailEnd/>
             </a:ln>
           </p:spPr>
         </p:sp>
@@ -559,6 +551,7 @@
               <a:rPr lang="en-US" altLang="zh-CN"/>
               <a:t>Edit Master text styles</a:t>
             </a:r>
+            <a:endParaRPr lang="en-US" altLang="zh-CN"/>
           </a:p>
           <a:p>
             <a:pPr lvl="1"/>
@@ -566,6 +559,7 @@
               <a:rPr lang="en-US" altLang="zh-CN"/>
               <a:t>Second level</a:t>
             </a:r>
+            <a:endParaRPr lang="en-US" altLang="zh-CN"/>
           </a:p>
           <a:p>
             <a:pPr lvl="2"/>
@@ -573,6 +567,7 @@
               <a:rPr lang="en-US" altLang="zh-CN"/>
               <a:t>Third level</a:t>
             </a:r>
+            <a:endParaRPr lang="en-US" altLang="zh-CN"/>
           </a:p>
           <a:p>
             <a:pPr lvl="3"/>
@@ -580,6 +575,7 @@
               <a:rPr lang="en-US" altLang="zh-CN"/>
               <a:t>Fourth level</a:t>
             </a:r>
+            <a:endParaRPr lang="en-US" altLang="zh-CN"/>
           </a:p>
           <a:p>
             <a:pPr lvl="4"/>
@@ -608,7 +604,6 @@
           <a:p>
             <a:fld id="{87DE6118-2437-4B30-8E3C-4D2BE6020583}" type="datetimeFigureOut">
               <a:rPr lang="en-US" dirty="0"/>
-              <a:t>10/25/2017</a:t>
             </a:fld>
             <a:endParaRPr lang="en-US" dirty="0"/>
           </a:p>
@@ -650,7 +645,6 @@
           <a:p>
             <a:fld id="{69E57DC2-970A-4B3E-BB1C-7A09969E49DF}" type="slidenum">
               <a:rPr lang="en-US" dirty="0"/>
-              <a:t>‹#›</a:t>
             </a:fld>
             <a:endParaRPr lang="en-US" dirty="0"/>
           </a:p>
@@ -734,6 +728,7 @@
               <a:rPr lang="en-US" altLang="zh-CN"/>
               <a:t>Edit Master text styles</a:t>
             </a:r>
+            <a:endParaRPr lang="en-US" altLang="zh-CN"/>
           </a:p>
           <a:p>
             <a:pPr lvl="1"/>
@@ -741,6 +736,7 @@
               <a:rPr lang="en-US" altLang="zh-CN"/>
               <a:t>Second level</a:t>
             </a:r>
+            <a:endParaRPr lang="en-US" altLang="zh-CN"/>
           </a:p>
           <a:p>
             <a:pPr lvl="2"/>
@@ -748,6 +744,7 @@
               <a:rPr lang="en-US" altLang="zh-CN"/>
               <a:t>Third level</a:t>
             </a:r>
+            <a:endParaRPr lang="en-US" altLang="zh-CN"/>
           </a:p>
           <a:p>
             <a:pPr lvl="3"/>
@@ -755,6 +752,7 @@
               <a:rPr lang="en-US" altLang="zh-CN"/>
               <a:t>Fourth level</a:t>
             </a:r>
+            <a:endParaRPr lang="en-US" altLang="zh-CN"/>
           </a:p>
           <a:p>
             <a:pPr lvl="4"/>
@@ -783,7 +781,6 @@
           <a:p>
             <a:fld id="{87DE6118-2437-4B30-8E3C-4D2BE6020583}" type="datetimeFigureOut">
               <a:rPr lang="en-US" dirty="0"/>
-              <a:t>10/25/2017</a:t>
             </a:fld>
             <a:endParaRPr lang="en-US" dirty="0"/>
           </a:p>
@@ -825,7 +822,6 @@
           <a:p>
             <a:fld id="{69E57DC2-970A-4B3E-BB1C-7A09969E49DF}" type="slidenum">
               <a:rPr lang="en-US" dirty="0"/>
-              <a:t>‹#›</a:t>
             </a:fld>
             <a:endParaRPr lang="en-US" dirty="0"/>
           </a:p>
@@ -937,6 +933,7 @@
               <a:rPr lang="en-US" altLang="zh-CN"/>
               <a:t>Edit Master text styles</a:t>
             </a:r>
+            <a:endParaRPr lang="en-US" altLang="zh-CN"/>
           </a:p>
           <a:p>
             <a:pPr lvl="1"/>
@@ -944,6 +941,7 @@
               <a:rPr lang="en-US" altLang="zh-CN"/>
               <a:t>Second level</a:t>
             </a:r>
+            <a:endParaRPr lang="en-US" altLang="zh-CN"/>
           </a:p>
           <a:p>
             <a:pPr lvl="2"/>
@@ -951,6 +949,7 @@
               <a:rPr lang="en-US" altLang="zh-CN"/>
               <a:t>Third level</a:t>
             </a:r>
+            <a:endParaRPr lang="en-US" altLang="zh-CN"/>
           </a:p>
           <a:p>
             <a:pPr lvl="3"/>
@@ -958,6 +957,7 @@
               <a:rPr lang="en-US" altLang="zh-CN"/>
               <a:t>Fourth level</a:t>
             </a:r>
+            <a:endParaRPr lang="en-US" altLang="zh-CN"/>
           </a:p>
           <a:p>
             <a:pPr lvl="4"/>
@@ -993,8 +993,6 @@
           <a:p>
             <a:fld id="{87DE6118-2437-4B30-8E3C-4D2BE6020583}" type="datetimeFigureOut">
               <a:rPr lang="en-US" smtClean="0"/>
-              <a:pPr/>
-              <a:t>10/25/2017</a:t>
             </a:fld>
             <a:endParaRPr lang="en-US" dirty="0"/>
           </a:p>
@@ -1050,8 +1048,6 @@
           <a:p>
             <a:fld id="{69E57DC2-970A-4B3E-BB1C-7A09969E49DF}" type="slidenum">
               <a:rPr lang="en-US" smtClean="0"/>
-              <a:pPr/>
-              <a:t>‹#›</a:t>
             </a:fld>
             <a:endParaRPr lang="en-US" dirty="0"/>
           </a:p>
@@ -1066,7 +1062,7 @@
 </file>
 
 <file path=ppt/slideLayouts/slideLayout3.xml><?xml version="1.0" encoding="utf-8"?>
-<p:sldLayout xmlns:a="http://schemas.openxmlformats.org/drawingml/2006/main" xmlns:r="http://schemas.openxmlformats.org/officeDocument/2006/relationships" xmlns:p="http://schemas.openxmlformats.org/presentationml/2006/main" showMasterSp="0" type="secHead" preserve="1">
+<p:sldLayout xmlns:a="http://schemas.openxmlformats.org/drawingml/2006/main" xmlns:r="http://schemas.openxmlformats.org/officeDocument/2006/relationships" xmlns:p="http://schemas.openxmlformats.org/presentationml/2006/main" type="secHead" preserve="1" showMasterSp="0">
   <p:cSld name="Section Header">
     <p:bg>
       <p:bgRef idx="1001">
@@ -1248,6 +1244,7 @@
               <a:rPr lang="en-US" altLang="zh-CN"/>
               <a:t>Edit Master text styles</a:t>
             </a:r>
+            <a:endParaRPr lang="en-US" altLang="zh-CN"/>
           </a:p>
         </p:txBody>
       </p:sp>
@@ -1281,8 +1278,6 @@
           <a:p>
             <a:fld id="{87DE6118-2437-4B30-8E3C-4D2BE6020583}" type="datetimeFigureOut">
               <a:rPr lang="en-US" dirty="0"/>
-              <a:pPr/>
-              <a:t>10/25/2017</a:t>
             </a:fld>
             <a:endParaRPr lang="en-US" dirty="0"/>
           </a:p>
@@ -1350,8 +1345,6 @@
           <a:p>
             <a:fld id="{69E57DC2-970A-4B3E-BB1C-7A09969E49DF}" type="slidenum">
               <a:rPr lang="en-US" dirty="0"/>
-              <a:pPr/>
-              <a:t>‹#›</a:t>
             </a:fld>
             <a:endParaRPr lang="en-US" dirty="0"/>
           </a:p>
@@ -1408,8 +1401,6 @@
             <a:noFill/>
             <a:prstDash val="solid"/>
             <a:round/>
-            <a:headEnd/>
-            <a:tailEnd/>
           </a:ln>
         </p:spPr>
       </p:sp>
@@ -1530,6 +1521,7 @@
               <a:rPr lang="en-US" altLang="zh-CN"/>
               <a:t>Edit Master text styles</a:t>
             </a:r>
+            <a:endParaRPr lang="en-US" altLang="zh-CN"/>
           </a:p>
           <a:p>
             <a:pPr lvl="1"/>
@@ -1537,6 +1529,7 @@
               <a:rPr lang="en-US" altLang="zh-CN"/>
               <a:t>Second level</a:t>
             </a:r>
+            <a:endParaRPr lang="en-US" altLang="zh-CN"/>
           </a:p>
           <a:p>
             <a:pPr lvl="2"/>
@@ -1544,6 +1537,7 @@
               <a:rPr lang="en-US" altLang="zh-CN"/>
               <a:t>Third level</a:t>
             </a:r>
+            <a:endParaRPr lang="en-US" altLang="zh-CN"/>
           </a:p>
           <a:p>
             <a:pPr lvl="3"/>
@@ -1551,6 +1545,7 @@
               <a:rPr lang="en-US" altLang="zh-CN"/>
               <a:t>Fourth level</a:t>
             </a:r>
+            <a:endParaRPr lang="en-US" altLang="zh-CN"/>
           </a:p>
           <a:p>
             <a:pPr lvl="4"/>
@@ -1623,6 +1618,7 @@
               <a:rPr lang="en-US" altLang="zh-CN"/>
               <a:t>Edit Master text styles</a:t>
             </a:r>
+            <a:endParaRPr lang="en-US" altLang="zh-CN"/>
           </a:p>
           <a:p>
             <a:pPr lvl="1"/>
@@ -1630,6 +1626,7 @@
               <a:rPr lang="en-US" altLang="zh-CN"/>
               <a:t>Second level</a:t>
             </a:r>
+            <a:endParaRPr lang="en-US" altLang="zh-CN"/>
           </a:p>
           <a:p>
             <a:pPr lvl="2"/>
@@ -1637,6 +1634,7 @@
               <a:rPr lang="en-US" altLang="zh-CN"/>
               <a:t>Third level</a:t>
             </a:r>
+            <a:endParaRPr lang="en-US" altLang="zh-CN"/>
           </a:p>
           <a:p>
             <a:pPr lvl="3"/>
@@ -1644,6 +1642,7 @@
               <a:rPr lang="en-US" altLang="zh-CN"/>
               <a:t>Fourth level</a:t>
             </a:r>
+            <a:endParaRPr lang="en-US" altLang="zh-CN"/>
           </a:p>
           <a:p>
             <a:pPr lvl="4"/>
@@ -1672,7 +1671,6 @@
           <a:p>
             <a:fld id="{87DE6118-2437-4B30-8E3C-4D2BE6020583}" type="datetimeFigureOut">
               <a:rPr lang="en-US" dirty="0"/>
-              <a:t>10/25/2017</a:t>
             </a:fld>
             <a:endParaRPr lang="en-US" dirty="0"/>
           </a:p>
@@ -1714,7 +1712,6 @@
           <a:p>
             <a:fld id="{69E57DC2-970A-4B3E-BB1C-7A09969E49DF}" type="slidenum">
               <a:rPr lang="en-US" dirty="0"/>
-              <a:t>‹#›</a:t>
             </a:fld>
             <a:endParaRPr lang="en-US" dirty="0"/>
           </a:p>
@@ -1858,6 +1855,7 @@
               <a:rPr lang="en-US" altLang="zh-CN"/>
               <a:t>Edit Master text styles</a:t>
             </a:r>
+            <a:endParaRPr lang="en-US" altLang="zh-CN"/>
           </a:p>
         </p:txBody>
       </p:sp>
@@ -1922,6 +1920,7 @@
               <a:rPr lang="en-US" altLang="zh-CN"/>
               <a:t>Edit Master text styles</a:t>
             </a:r>
+            <a:endParaRPr lang="en-US" altLang="zh-CN"/>
           </a:p>
           <a:p>
             <a:pPr lvl="1"/>
@@ -1929,6 +1928,7 @@
               <a:rPr lang="en-US" altLang="zh-CN"/>
               <a:t>Second level</a:t>
             </a:r>
+            <a:endParaRPr lang="en-US" altLang="zh-CN"/>
           </a:p>
           <a:p>
             <a:pPr lvl="2"/>
@@ -1936,6 +1936,7 @@
               <a:rPr lang="en-US" altLang="zh-CN"/>
               <a:t>Third level</a:t>
             </a:r>
+            <a:endParaRPr lang="en-US" altLang="zh-CN"/>
           </a:p>
           <a:p>
             <a:pPr lvl="3"/>
@@ -1943,6 +1944,7 @@
               <a:rPr lang="en-US" altLang="zh-CN"/>
               <a:t>Fourth level</a:t>
             </a:r>
+            <a:endParaRPr lang="en-US" altLang="zh-CN"/>
           </a:p>
           <a:p>
             <a:pPr lvl="4"/>
@@ -2031,6 +2033,7 @@
               <a:rPr lang="en-US" altLang="zh-CN"/>
               <a:t>Edit Master text styles</a:t>
             </a:r>
+            <a:endParaRPr lang="en-US" altLang="zh-CN"/>
           </a:p>
         </p:txBody>
       </p:sp>
@@ -2095,6 +2098,7 @@
               <a:rPr lang="en-US" altLang="zh-CN"/>
               <a:t>Edit Master text styles</a:t>
             </a:r>
+            <a:endParaRPr lang="en-US" altLang="zh-CN"/>
           </a:p>
           <a:p>
             <a:pPr lvl="1"/>
@@ -2102,6 +2106,7 @@
               <a:rPr lang="en-US" altLang="zh-CN"/>
               <a:t>Second level</a:t>
             </a:r>
+            <a:endParaRPr lang="en-US" altLang="zh-CN"/>
           </a:p>
           <a:p>
             <a:pPr lvl="2"/>
@@ -2109,6 +2114,7 @@
               <a:rPr lang="en-US" altLang="zh-CN"/>
               <a:t>Third level</a:t>
             </a:r>
+            <a:endParaRPr lang="en-US" altLang="zh-CN"/>
           </a:p>
           <a:p>
             <a:pPr lvl="3"/>
@@ -2116,6 +2122,7 @@
               <a:rPr lang="en-US" altLang="zh-CN"/>
               <a:t>Fourth level</a:t>
             </a:r>
+            <a:endParaRPr lang="en-US" altLang="zh-CN"/>
           </a:p>
           <a:p>
             <a:pPr lvl="4"/>
@@ -2144,7 +2151,6 @@
           <a:p>
             <a:fld id="{87DE6118-2437-4B30-8E3C-4D2BE6020583}" type="datetimeFigureOut">
               <a:rPr lang="en-US" dirty="0"/>
-              <a:t>10/25/2017</a:t>
             </a:fld>
             <a:endParaRPr lang="en-US" dirty="0"/>
           </a:p>
@@ -2186,7 +2192,6 @@
           <a:p>
             <a:fld id="{69E57DC2-970A-4B3E-BB1C-7A09969E49DF}" type="slidenum">
               <a:rPr lang="en-US" dirty="0"/>
-              <a:t>‹#›</a:t>
             </a:fld>
             <a:endParaRPr lang="en-US" dirty="0"/>
           </a:p>
@@ -2257,7 +2262,6 @@
           <a:p>
             <a:fld id="{87DE6118-2437-4B30-8E3C-4D2BE6020583}" type="datetimeFigureOut">
               <a:rPr lang="en-US" dirty="0"/>
-              <a:t>10/25/2017</a:t>
             </a:fld>
             <a:endParaRPr lang="en-US" dirty="0"/>
           </a:p>
@@ -2299,7 +2303,6 @@
           <a:p>
             <a:fld id="{69E57DC2-970A-4B3E-BB1C-7A09969E49DF}" type="slidenum">
               <a:rPr lang="en-US" dirty="0"/>
-              <a:t>‹#›</a:t>
             </a:fld>
             <a:endParaRPr lang="en-US" dirty="0"/>
           </a:p>
@@ -2347,7 +2350,6 @@
           <a:p>
             <a:fld id="{87DE6118-2437-4B30-8E3C-4D2BE6020583}" type="datetimeFigureOut">
               <a:rPr lang="en-US" dirty="0"/>
-              <a:t>10/25/2017</a:t>
             </a:fld>
             <a:endParaRPr lang="en-US" dirty="0"/>
           </a:p>
@@ -2389,7 +2391,6 @@
           <a:p>
             <a:fld id="{69E57DC2-970A-4B3E-BB1C-7A09969E49DF}" type="slidenum">
               <a:rPr lang="en-US" dirty="0"/>
-              <a:t>‹#›</a:t>
             </a:fld>
             <a:endParaRPr lang="en-US" dirty="0"/>
           </a:p>
@@ -2404,7 +2405,7 @@
 </file>
 
 <file path=ppt/slideLayouts/slideLayout8.xml><?xml version="1.0" encoding="utf-8"?>
-<p:sldLayout xmlns:a="http://schemas.openxmlformats.org/drawingml/2006/main" xmlns:r="http://schemas.openxmlformats.org/officeDocument/2006/relationships" xmlns:p="http://schemas.openxmlformats.org/presentationml/2006/main" showMasterSp="0" type="objTx" preserve="1">
+<p:sldLayout xmlns:a="http://schemas.openxmlformats.org/drawingml/2006/main" xmlns:r="http://schemas.openxmlformats.org/officeDocument/2006/relationships" xmlns:p="http://schemas.openxmlformats.org/presentationml/2006/main" type="objTx" preserve="1" showMasterSp="0">
   <p:cSld name="Content with Caption">
     <p:spTree>
       <p:nvGrpSpPr>
@@ -2552,6 +2553,7 @@
               <a:rPr lang="en-US" altLang="zh-CN"/>
               <a:t>Edit Master text styles</a:t>
             </a:r>
+            <a:endParaRPr lang="en-US" altLang="zh-CN"/>
           </a:p>
           <a:p>
             <a:pPr lvl="1"/>
@@ -2559,6 +2561,7 @@
               <a:rPr lang="en-US" altLang="zh-CN"/>
               <a:t>Second level</a:t>
             </a:r>
+            <a:endParaRPr lang="en-US" altLang="zh-CN"/>
           </a:p>
           <a:p>
             <a:pPr lvl="2"/>
@@ -2566,6 +2569,7 @@
               <a:rPr lang="en-US" altLang="zh-CN"/>
               <a:t>Third level</a:t>
             </a:r>
+            <a:endParaRPr lang="en-US" altLang="zh-CN"/>
           </a:p>
           <a:p>
             <a:pPr lvl="3"/>
@@ -2573,6 +2577,7 @@
               <a:rPr lang="en-US" altLang="zh-CN"/>
               <a:t>Fourth level</a:t>
             </a:r>
+            <a:endParaRPr lang="en-US" altLang="zh-CN"/>
           </a:p>
           <a:p>
             <a:pPr lvl="4"/>
@@ -2655,6 +2660,7 @@
               <a:rPr lang="en-US" altLang="zh-CN"/>
               <a:t>Edit Master text styles</a:t>
             </a:r>
+            <a:endParaRPr lang="en-US" altLang="zh-CN"/>
           </a:p>
         </p:txBody>
       </p:sp>
@@ -2688,8 +2694,6 @@
           <a:p>
             <a:fld id="{87DE6118-2437-4B30-8E3C-4D2BE6020583}" type="datetimeFigureOut">
               <a:rPr lang="en-US" dirty="0"/>
-              <a:pPr/>
-              <a:t>10/25/2017</a:t>
             </a:fld>
             <a:endParaRPr lang="en-US" dirty="0"/>
           </a:p>
@@ -2757,8 +2761,6 @@
           <a:p>
             <a:fld id="{69E57DC2-970A-4B3E-BB1C-7A09969E49DF}" type="slidenum">
               <a:rPr lang="en-US" dirty="0"/>
-              <a:pPr/>
-              <a:t>‹#›</a:t>
             </a:fld>
             <a:endParaRPr lang="en-US" dirty="0"/>
           </a:p>
@@ -2811,7 +2813,7 @@
 </file>
 
 <file path=ppt/slideLayouts/slideLayout9.xml><?xml version="1.0" encoding="utf-8"?>
-<p:sldLayout xmlns:a="http://schemas.openxmlformats.org/drawingml/2006/main" xmlns:r="http://schemas.openxmlformats.org/officeDocument/2006/relationships" xmlns:p="http://schemas.openxmlformats.org/presentationml/2006/main" showMasterSp="0" type="picTx" preserve="1">
+<p:sldLayout xmlns:a="http://schemas.openxmlformats.org/drawingml/2006/main" xmlns:r="http://schemas.openxmlformats.org/officeDocument/2006/relationships" xmlns:p="http://schemas.openxmlformats.org/presentationml/2006/main" type="picTx" preserve="1" showMasterSp="0">
   <p:cSld name="Picture with Caption">
     <p:spTree>
       <p:nvGrpSpPr>
@@ -3040,6 +3042,7 @@
               <a:rPr lang="en-US" altLang="zh-CN"/>
               <a:t>Edit Master text styles</a:t>
             </a:r>
+            <a:endParaRPr lang="en-US" altLang="zh-CN"/>
           </a:p>
         </p:txBody>
       </p:sp>
@@ -3073,8 +3076,6 @@
           <a:p>
             <a:fld id="{87DE6118-2437-4B30-8E3C-4D2BE6020583}" type="datetimeFigureOut">
               <a:rPr lang="en-US" dirty="0"/>
-              <a:pPr/>
-              <a:t>10/25/2017</a:t>
             </a:fld>
             <a:endParaRPr lang="en-US" dirty="0"/>
           </a:p>
@@ -3142,8 +3143,6 @@
           <a:p>
             <a:fld id="{69E57DC2-970A-4B3E-BB1C-7A09969E49DF}" type="slidenum">
               <a:rPr lang="en-US" dirty="0"/>
-              <a:pPr/>
-              <a:t>‹#›</a:t>
             </a:fld>
             <a:endParaRPr lang="en-US" dirty="0"/>
           </a:p>
@@ -3283,6 +3282,7 @@
               <a:rPr lang="en-US" altLang="zh-CN"/>
               <a:t>Edit Master text styles</a:t>
             </a:r>
+            <a:endParaRPr lang="en-US" altLang="zh-CN"/>
           </a:p>
           <a:p>
             <a:pPr lvl="1"/>
@@ -3290,6 +3290,7 @@
               <a:rPr lang="en-US" altLang="zh-CN"/>
               <a:t>Second level</a:t>
             </a:r>
+            <a:endParaRPr lang="en-US" altLang="zh-CN"/>
           </a:p>
           <a:p>
             <a:pPr lvl="2"/>
@@ -3297,6 +3298,7 @@
               <a:rPr lang="en-US" altLang="zh-CN"/>
               <a:t>Third level</a:t>
             </a:r>
+            <a:endParaRPr lang="en-US" altLang="zh-CN"/>
           </a:p>
           <a:p>
             <a:pPr lvl="3"/>
@@ -3304,6 +3306,7 @@
               <a:rPr lang="en-US" altLang="zh-CN"/>
               <a:t>Fourth level</a:t>
             </a:r>
+            <a:endParaRPr lang="en-US" altLang="zh-CN"/>
           </a:p>
           <a:p>
             <a:pPr lvl="4"/>
@@ -3348,8 +3351,6 @@
           <a:p>
             <a:fld id="{87DE6118-2437-4B30-8E3C-4D2BE6020583}" type="datetimeFigureOut">
               <a:rPr lang="en-US" dirty="0"/>
-              <a:pPr/>
-              <a:t>10/25/2017</a:t>
             </a:fld>
             <a:endParaRPr lang="en-US" dirty="0"/>
           </a:p>
@@ -3423,8 +3424,6 @@
           <a:p>
             <a:fld id="{69E57DC2-970A-4B3E-BB1C-7A09969E49DF}" type="slidenum">
               <a:rPr lang="en-US" dirty="0"/>
-              <a:pPr/>
-              <a:t>‹#›</a:t>
             </a:fld>
             <a:endParaRPr lang="en-US" dirty="0"/>
           </a:p>
@@ -3505,7 +3504,7 @@
       </a:lvl1pPr>
     </p:titleStyle>
     <p:bodyStyle>
-      <a:lvl1pPr marL="384048" indent="-384048" algn="l" defTabSz="914400" rtl="0" eaLnBrk="1" latinLnBrk="0" hangingPunct="1">
+      <a:lvl1pPr marL="384175" indent="-384175" algn="l" defTabSz="914400" rtl="0" eaLnBrk="1" latinLnBrk="0" hangingPunct="1">
         <a:lnSpc>
           <a:spcPct val="94000"/>
         </a:lnSpc>
@@ -3526,7 +3525,7 @@
           <a:cs typeface="+mn-cs"/>
         </a:defRPr>
       </a:lvl1pPr>
-      <a:lvl2pPr marL="914400" indent="-384048" algn="l" defTabSz="914400" rtl="0" eaLnBrk="1" latinLnBrk="0" hangingPunct="1">
+      <a:lvl2pPr marL="914400" indent="-384175" algn="l" defTabSz="914400" rtl="0" eaLnBrk="1" latinLnBrk="0" hangingPunct="1">
         <a:lnSpc>
           <a:spcPct val="94000"/>
         </a:lnSpc>
@@ -3547,7 +3546,7 @@
           <a:cs typeface="+mn-cs"/>
         </a:defRPr>
       </a:lvl2pPr>
-      <a:lvl3pPr marL="1371600" indent="-384048" algn="l" defTabSz="914400" rtl="0" eaLnBrk="1" latinLnBrk="0" hangingPunct="1">
+      <a:lvl3pPr marL="1371600" indent="-384175" algn="l" defTabSz="914400" rtl="0" eaLnBrk="1" latinLnBrk="0" hangingPunct="1">
         <a:lnSpc>
           <a:spcPct val="94000"/>
         </a:lnSpc>
@@ -3568,7 +3567,7 @@
           <a:cs typeface="+mn-cs"/>
         </a:defRPr>
       </a:lvl3pPr>
-      <a:lvl4pPr marL="1828800" indent="-384048" algn="l" defTabSz="914400" rtl="0" eaLnBrk="1" latinLnBrk="0" hangingPunct="1">
+      <a:lvl4pPr marL="1828800" indent="-384175" algn="l" defTabSz="914400" rtl="0" eaLnBrk="1" latinLnBrk="0" hangingPunct="1">
         <a:lnSpc>
           <a:spcPct val="94000"/>
         </a:lnSpc>
@@ -3589,7 +3588,7 @@
           <a:cs typeface="+mn-cs"/>
         </a:defRPr>
       </a:lvl4pPr>
-      <a:lvl5pPr marL="2286000" indent="-384048" algn="l" defTabSz="914400" rtl="0" eaLnBrk="1" latinLnBrk="0" hangingPunct="1">
+      <a:lvl5pPr marL="2286000" indent="-384175" algn="l" defTabSz="914400" rtl="0" eaLnBrk="1" latinLnBrk="0" hangingPunct="1">
         <a:lnSpc>
           <a:spcPct val="94000"/>
         </a:lnSpc>
@@ -3610,7 +3609,7 @@
           <a:cs typeface="+mn-cs"/>
         </a:defRPr>
       </a:lvl5pPr>
-      <a:lvl6pPr marL="2743200" indent="-384048" algn="l" defTabSz="914400" rtl="0" eaLnBrk="1" latinLnBrk="0" hangingPunct="1">
+      <a:lvl6pPr marL="2743200" indent="-384175" algn="l" defTabSz="914400" rtl="0" eaLnBrk="1" latinLnBrk="0" hangingPunct="1">
         <a:lnSpc>
           <a:spcPct val="94000"/>
         </a:lnSpc>
@@ -3631,7 +3630,7 @@
           <a:cs typeface="+mn-cs"/>
         </a:defRPr>
       </a:lvl6pPr>
-      <a:lvl7pPr marL="3200400" indent="-384048" algn="l" defTabSz="914400" rtl="0" eaLnBrk="1" latinLnBrk="0" hangingPunct="1">
+      <a:lvl7pPr marL="3200400" indent="-384175" algn="l" defTabSz="914400" rtl="0" eaLnBrk="1" latinLnBrk="0" hangingPunct="1">
         <a:lnSpc>
           <a:spcPct val="94000"/>
         </a:lnSpc>
@@ -3652,7 +3651,7 @@
           <a:cs typeface="+mn-cs"/>
         </a:defRPr>
       </a:lvl7pPr>
-      <a:lvl8pPr marL="3657600" indent="-384048" algn="l" defTabSz="914400" rtl="0" eaLnBrk="1" latinLnBrk="0" hangingPunct="1">
+      <a:lvl8pPr marL="3657600" indent="-384175" algn="l" defTabSz="914400" rtl="0" eaLnBrk="1" latinLnBrk="0" hangingPunct="1">
         <a:lnSpc>
           <a:spcPct val="94000"/>
         </a:lnSpc>
@@ -3673,7 +3672,7 @@
           <a:cs typeface="+mn-cs"/>
         </a:defRPr>
       </a:lvl8pPr>
-      <a:lvl9pPr marL="4114800" indent="-384048" algn="l" defTabSz="914400" rtl="0" eaLnBrk="1" latinLnBrk="0" hangingPunct="1">
+      <a:lvl9pPr marL="4114800" indent="-384175" algn="l" defTabSz="914400" rtl="0" eaLnBrk="1" latinLnBrk="0" hangingPunct="1">
         <a:lnSpc>
           <a:spcPct val="94000"/>
         </a:lnSpc>
@@ -3791,52 +3790,6 @@
       </a:lvl9pPr>
     </p:otherStyle>
   </p:txStyles>
-  <p:extLst mod="1">
-    <p:ext uri="{27BBF7A9-308A-43DC-89C8-2F10F3537804}">
-      <p15:sldGuideLst xmlns:p15="http://schemas.microsoft.com/office/powerpoint/2012/main">
-        <p15:guide id="3" orient="horz" pos="1368">
-          <p15:clr>
-            <a:srgbClr val="F26B43"/>
-          </p15:clr>
-        </p15:guide>
-        <p15:guide id="4" orient="horz" pos="1440">
-          <p15:clr>
-            <a:srgbClr val="F26B43"/>
-          </p15:clr>
-        </p15:guide>
-        <p15:guide id="6" orient="horz" pos="3696">
-          <p15:clr>
-            <a:srgbClr val="F26B43"/>
-          </p15:clr>
-        </p15:guide>
-        <p15:guide id="7" orient="horz" pos="432">
-          <p15:clr>
-            <a:srgbClr val="F26B43"/>
-          </p15:clr>
-        </p15:guide>
-        <p15:guide id="8" orient="horz" pos="1512">
-          <p15:clr>
-            <a:srgbClr val="F26B43"/>
-          </p15:clr>
-        </p15:guide>
-        <p15:guide id="9" pos="6912">
-          <p15:clr>
-            <a:srgbClr val="F26B43"/>
-          </p15:clr>
-        </p15:guide>
-        <p15:guide id="10" pos="936">
-          <p15:clr>
-            <a:srgbClr val="F26B43"/>
-          </p15:clr>
-        </p15:guide>
-        <p15:guide id="11" pos="864">
-          <p15:clr>
-            <a:srgbClr val="F26B43"/>
-          </p15:clr>
-        </p15:guide>
-      </p15:sldGuideLst>
-    </p:ext>
-  </p:extLst>
 </p:sldMaster>
 </file>
 
@@ -3867,20 +3820,14 @@
       </p:grpSpPr>
       <p:pic>
         <p:nvPicPr>
-          <p:cNvPr id="9" name="Picture 8">
-            <a:extLst>
-              <a:ext uri="{FF2B5EF4-FFF2-40B4-BE49-F238E27FC236}">
-                <a16:creationId xmlns:a16="http://schemas.microsoft.com/office/drawing/2014/main" id="{EBBA042D-D00A-4007-B52F-16888EAE507D}"/>
-              </a:ext>
-            </a:extLst>
-          </p:cNvPr>
+          <p:cNvPr id="9" name="Picture 8"/>
           <p:cNvPicPr>
             <a:picLocks noChangeAspect="1"/>
           </p:cNvPicPr>
           <p:nvPr/>
         </p:nvPicPr>
         <p:blipFill>
-          <a:blip r:embed="rId2"/>
+          <a:blip r:embed="rId1"/>
           <a:stretch>
             <a:fillRect/>
           </a:stretch>
@@ -3897,13 +3844,7 @@
       </p:pic>
       <p:sp>
         <p:nvSpPr>
-          <p:cNvPr id="2" name="Title 1">
-            <a:extLst>
-              <a:ext uri="{FF2B5EF4-FFF2-40B4-BE49-F238E27FC236}">
-                <a16:creationId xmlns:a16="http://schemas.microsoft.com/office/drawing/2014/main" id="{FF164614-7A3A-4542-B5D1-150D1C43BC77}"/>
-              </a:ext>
-            </a:extLst>
-          </p:cNvPr>
+          <p:cNvPr id="2" name="Title 1"/>
           <p:cNvSpPr>
             <a:spLocks noGrp="1"/>
           </p:cNvSpPr>
@@ -3931,18 +3872,16 @@
               </a:rPr>
               <a:t>开发合作建议</a:t>
             </a:r>
-          </a:p>
-        </p:txBody>
-      </p:sp>
-      <p:sp>
-        <p:nvSpPr>
-          <p:cNvPr id="3" name="Subtitle 2">
-            <a:extLst>
-              <a:ext uri="{FF2B5EF4-FFF2-40B4-BE49-F238E27FC236}">
-                <a16:creationId xmlns:a16="http://schemas.microsoft.com/office/drawing/2014/main" id="{85BC6AE6-8C08-4533-92D2-6168E96EA78F}"/>
-              </a:ext>
-            </a:extLst>
-          </p:cNvPr>
+            <a:endParaRPr lang="zh-CN" altLang="en-US" sz="6600" dirty="0">
+              <a:latin typeface="微软雅黑" panose="020B0503020204020204" pitchFamily="34" charset="-122"/>
+              <a:ea typeface="微软雅黑" panose="020B0503020204020204" pitchFamily="34" charset="-122"/>
+            </a:endParaRPr>
+          </a:p>
+        </p:txBody>
+      </p:sp>
+      <p:sp>
+        <p:nvSpPr>
+          <p:cNvPr id="3" name="Subtitle 2"/>
           <p:cNvSpPr>
             <a:spLocks noGrp="1"/>
           </p:cNvSpPr>
@@ -4033,6 +3972,10 @@
               </a:rPr>
               <a:t>http://www.helpfooter.com</a:t>
             </a:r>
+            <a:endParaRPr lang="en-US" altLang="zh-CN" sz="1100">
+              <a:latin typeface="微软雅黑" panose="020B0503020204020204" pitchFamily="34" charset="-122"/>
+              <a:ea typeface="微软雅黑" panose="020B0503020204020204" pitchFamily="34" charset="-122"/>
+            </a:endParaRPr>
           </a:p>
           <a:p>
             <a:pPr algn="l">
@@ -4059,13 +4002,7 @@
       </p:sp>
       <p:sp>
         <p:nvSpPr>
-          <p:cNvPr id="6" name="TextBox 5">
-            <a:extLst>
-              <a:ext uri="{FF2B5EF4-FFF2-40B4-BE49-F238E27FC236}">
-                <a16:creationId xmlns:a16="http://schemas.microsoft.com/office/drawing/2014/main" id="{C1392BAA-90FE-4D24-8ADB-069043361404}"/>
-              </a:ext>
-            </a:extLst>
-          </p:cNvPr>
+          <p:cNvPr id="6" name="TextBox 5"/>
           <p:cNvSpPr txBox="1"/>
           <p:nvPr/>
         </p:nvSpPr>
@@ -4092,15 +4029,14 @@
               </a:rPr>
               <a:t>合作共赢 迈向成功</a:t>
             </a:r>
+            <a:endParaRPr lang="zh-CN" altLang="en-US" dirty="0">
+              <a:latin typeface="微软雅黑" panose="020B0503020204020204" pitchFamily="34" charset="-122"/>
+              <a:ea typeface="微软雅黑" panose="020B0503020204020204" pitchFamily="34" charset="-122"/>
+            </a:endParaRPr>
           </a:p>
         </p:txBody>
       </p:sp>
     </p:spTree>
-    <p:extLst>
-      <p:ext uri="{BB962C8B-B14F-4D97-AF65-F5344CB8AC3E}">
-        <p14:creationId xmlns:p14="http://schemas.microsoft.com/office/powerpoint/2010/main" val="685762550"/>
-      </p:ext>
-    </p:extLst>
   </p:cSld>
   <p:clrMapOvr>
     <a:masterClrMapping/>
@@ -4127,13 +4063,7 @@
       </p:grpSpPr>
       <p:sp>
         <p:nvSpPr>
-          <p:cNvPr id="2" name="Title 1">
-            <a:extLst>
-              <a:ext uri="{FF2B5EF4-FFF2-40B4-BE49-F238E27FC236}">
-                <a16:creationId xmlns:a16="http://schemas.microsoft.com/office/drawing/2014/main" id="{9DBB879D-97D6-4857-9CF6-7F490F2D6BA2}"/>
-              </a:ext>
-            </a:extLst>
-          </p:cNvPr>
+          <p:cNvPr id="2" name="Title 1"/>
           <p:cNvSpPr>
             <a:spLocks noGrp="1"/>
           </p:cNvSpPr>
@@ -4150,18 +4080,13 @@
               <a:rPr lang="zh-CN" altLang="en-US" dirty="0"/>
               <a:t>需求一方的合作基础</a:t>
             </a:r>
-          </a:p>
-        </p:txBody>
-      </p:sp>
-      <p:sp>
-        <p:nvSpPr>
-          <p:cNvPr id="3" name="Content Placeholder 2">
-            <a:extLst>
-              <a:ext uri="{FF2B5EF4-FFF2-40B4-BE49-F238E27FC236}">
-                <a16:creationId xmlns:a16="http://schemas.microsoft.com/office/drawing/2014/main" id="{044C11D1-BD72-42C8-B49A-29B077414DA7}"/>
-              </a:ext>
-            </a:extLst>
-          </p:cNvPr>
+            <a:endParaRPr lang="zh-CN" altLang="en-US" dirty="0"/>
+          </a:p>
+        </p:txBody>
+      </p:sp>
+      <p:sp>
+        <p:nvSpPr>
+          <p:cNvPr id="3" name="Content Placeholder 2"/>
           <p:cNvSpPr>
             <a:spLocks noGrp="1"/>
           </p:cNvSpPr>
@@ -4176,23 +4101,101 @@
           <a:p>
             <a:r>
               <a:rPr lang="zh-CN" altLang="en-US" dirty="0"/>
-              <a:t>天时：自身的业务已经到达了瓶颈，需要一个改变</a:t>
+              <a:t>天时：自身的</a:t>
+            </a:r>
+            <a:r>
+              <a:rPr lang="zh-CN" altLang="en-US" dirty="0">
+                <a:solidFill>
+                  <a:srgbClr val="FF0000"/>
+                </a:solidFill>
+              </a:rPr>
+              <a:t>业务</a:t>
+            </a:r>
+            <a:r>
+              <a:rPr lang="zh-CN" altLang="en-US" dirty="0"/>
+              <a:t>已经到达了</a:t>
+            </a:r>
+            <a:r>
+              <a:rPr lang="zh-CN" altLang="en-US" dirty="0">
+                <a:solidFill>
+                  <a:srgbClr val="FF0000"/>
+                </a:solidFill>
+              </a:rPr>
+              <a:t>瓶颈</a:t>
+            </a:r>
+            <a:r>
+              <a:rPr lang="zh-CN" altLang="en-US" dirty="0"/>
+              <a:t>，需要一个改变</a:t>
             </a:r>
             <a:endParaRPr lang="en-US" altLang="zh-CN" dirty="0"/>
           </a:p>
           <a:p>
             <a:r>
               <a:rPr lang="zh-CN" altLang="en-US" dirty="0"/>
-              <a:t>地利：市场的趋势对自身的业务有个巨大的优势</a:t>
+              <a:t>地利：</a:t>
+            </a:r>
+            <a:r>
+              <a:rPr lang="zh-CN" altLang="en-US" dirty="0">
+                <a:solidFill>
+                  <a:srgbClr val="FF0000"/>
+                </a:solidFill>
+              </a:rPr>
+              <a:t>市场</a:t>
+            </a:r>
+            <a:r>
+              <a:rPr lang="zh-CN" altLang="en-US" dirty="0"/>
+              <a:t>的</a:t>
+            </a:r>
+            <a:r>
+              <a:rPr lang="zh-CN" altLang="en-US" dirty="0">
+                <a:solidFill>
+                  <a:srgbClr val="FF0000"/>
+                </a:solidFill>
+              </a:rPr>
+              <a:t>趋势</a:t>
+            </a:r>
+            <a:r>
+              <a:rPr lang="zh-CN" altLang="en-US" dirty="0"/>
+              <a:t>对自身的业务有个巨大的优势</a:t>
             </a:r>
             <a:endParaRPr lang="en-US" altLang="zh-CN" dirty="0"/>
           </a:p>
           <a:p>
             <a:r>
               <a:rPr lang="zh-CN" altLang="en-US" dirty="0"/>
-              <a:t>人和：核心团队对业务是有着特殊的诠释</a:t>
-            </a:r>
-            <a:endParaRPr lang="en-US" altLang="zh-CN" dirty="0"/>
+              <a:t>人和：</a:t>
+            </a:r>
+            <a:r>
+              <a:rPr lang="zh-CN" altLang="en-US" dirty="0">
+                <a:solidFill>
+                  <a:srgbClr val="FF0000"/>
+                </a:solidFill>
+              </a:rPr>
+              <a:t>核心</a:t>
+            </a:r>
+            <a:r>
+              <a:rPr lang="zh-CN" altLang="en-US" dirty="0"/>
+              <a:t>团队对</a:t>
+            </a:r>
+            <a:r>
+              <a:rPr lang="zh-CN" altLang="en-US" dirty="0">
+                <a:solidFill>
+                  <a:srgbClr val="FF0000"/>
+                </a:solidFill>
+              </a:rPr>
+              <a:t>业务</a:t>
+            </a:r>
+            <a:r>
+              <a:rPr lang="zh-CN" altLang="en-US" dirty="0"/>
+              <a:t>是有着特殊的诠释</a:t>
+            </a:r>
+            <a:endParaRPr lang="zh-CN" altLang="en-US" dirty="0"/>
+          </a:p>
+          <a:p>
+            <a:endParaRPr lang="zh-CN" altLang="en-US" dirty="0"/>
+          </a:p>
+          <a:p>
+            <a:endParaRPr lang="zh-CN" altLang="en-US" dirty="0"/>
           </a:p>
           <a:p>
             <a:r>
@@ -4206,15 +4209,11 @@
               <a:rPr lang="zh-CN" altLang="en-US" dirty="0"/>
               <a:t>成熟且互相信任的目标客户</a:t>
             </a:r>
+            <a:endParaRPr lang="zh-CN" altLang="en-US" dirty="0"/>
           </a:p>
         </p:txBody>
       </p:sp>
     </p:spTree>
-    <p:extLst>
-      <p:ext uri="{BB962C8B-B14F-4D97-AF65-F5344CB8AC3E}">
-        <p14:creationId xmlns:p14="http://schemas.microsoft.com/office/powerpoint/2010/main" val="776726327"/>
-      </p:ext>
-    </p:extLst>
   </p:cSld>
   <p:clrMapOvr>
     <a:masterClrMapping/>
@@ -4249,20 +4248,14 @@
       </p:grpSpPr>
       <p:pic>
         <p:nvPicPr>
-          <p:cNvPr id="1026" name="Picture 2" descr="https://timgsa.baidu.com/timg?image&amp;quality=80&amp;size=b9999_10000&amp;sec=1508934697389&amp;di=83c9cbc8cffa36ea0a215464dd6d47c3&amp;imgtype=0&amp;src=http%3A%2F%2Fimg02.tooopen.com%2Fimages%2F20150524%2Ftooopen_sy_125969886711.jpg">
-            <a:extLst>
-              <a:ext uri="{FF2B5EF4-FFF2-40B4-BE49-F238E27FC236}">
-                <a16:creationId xmlns:a16="http://schemas.microsoft.com/office/drawing/2014/main" id="{013F54C3-DFBB-456D-89EF-AF5F467915B8}"/>
-              </a:ext>
-            </a:extLst>
-          </p:cNvPr>
+          <p:cNvPr id="1026" name="Picture 2" descr="https://timgsa.baidu.com/timg?image&amp;quality=80&amp;size=b9999_10000&amp;sec=1508934697389&amp;di=83c9cbc8cffa36ea0a215464dd6d47c3&amp;imgtype=0&amp;src=http%3A%2F%2Fimg02.tooopen.com%2Fimages%2F20150524%2Ftooopen_sy_125969886711.jpg"/>
           <p:cNvPicPr>
             <a:picLocks noChangeAspect="1" noChangeArrowheads="1"/>
           </p:cNvPicPr>
           <p:nvPr/>
         </p:nvPicPr>
         <p:blipFill rotWithShape="1">
-          <a:blip r:embed="rId2">
+          <a:blip r:embed="rId1">
             <a:extLst>
               <a:ext uri="{28A0092B-C50C-407E-A947-70E740481C1C}">
                 <a14:useLocalDpi xmlns:a14="http://schemas.microsoft.com/office/drawing/2010/main" val="0"/>
@@ -4270,7 +4263,9 @@
             </a:extLst>
           </a:blip>
           <a:srcRect t="18456" r="1" b="1"/>
-          <a:stretch/>
+          <a:stretch>
+            <a:fillRect/>
+          </a:stretch>
         </p:blipFill>
         <p:spPr bwMode="auto">
           <a:xfrm>
@@ -4294,23 +4289,11 @@
       </p:pic>
       <p:sp>
         <p:nvSpPr>
-          <p:cNvPr id="1028" name="Rectangle 70">
-            <a:extLst>
-              <a:ext uri="{FF2B5EF4-FFF2-40B4-BE49-F238E27FC236}">
-                <a16:creationId xmlns:a16="http://schemas.microsoft.com/office/drawing/2014/main" id="{2078F889-8780-48D5-8B9E-DF8B13063783}"/>
-              </a:ext>
-            </a:extLst>
-          </p:cNvPr>
+          <p:cNvPr id="1028" name="Rectangle 70"/>
           <p:cNvSpPr>
             <a:spLocks noGrp="1" noRot="1" noChangeAspect="1" noMove="1" noResize="1" noEditPoints="1" noAdjustHandles="1" noChangeArrowheads="1" noChangeShapeType="1" noTextEdit="1"/>
           </p:cNvSpPr>
-          <p:nvPr>
-            <p:extLst>
-              <p:ext uri="{386F3935-93C4-4BCD-93E2-E3B085C9AB24}">
-                <p16:designElem xmlns:p16="http://schemas.microsoft.com/office/powerpoint/2015/main" val="1"/>
-              </p:ext>
-            </p:extLst>
-          </p:nvPr>
+          <p:nvPr/>
         </p:nvSpPr>
         <p:spPr bwMode="ltGray">
           <a:xfrm>
@@ -4367,23 +4350,11 @@
       </p:sp>
       <p:sp>
         <p:nvSpPr>
-          <p:cNvPr id="73" name="Rectangle 72" title="Side bar">
-            <a:extLst>
-              <a:ext uri="{FF2B5EF4-FFF2-40B4-BE49-F238E27FC236}">
-                <a16:creationId xmlns:a16="http://schemas.microsoft.com/office/drawing/2014/main" id="{3A4CABA2-22A0-44B2-BD92-28FF73FCEA27}"/>
-              </a:ext>
-            </a:extLst>
-          </p:cNvPr>
+          <p:cNvPr id="73" name="Rectangle 72" title="Side bar"/>
           <p:cNvSpPr>
             <a:spLocks noGrp="1" noRot="1" noChangeAspect="1" noMove="1" noResize="1" noEditPoints="1" noAdjustHandles="1" noChangeArrowheads="1" noChangeShapeType="1" noTextEdit="1"/>
           </p:cNvSpPr>
-          <p:nvPr>
-            <p:extLst>
-              <p:ext uri="{386F3935-93C4-4BCD-93E2-E3B085C9AB24}">
-                <p16:designElem xmlns:p16="http://schemas.microsoft.com/office/powerpoint/2015/main" val="1"/>
-              </p:ext>
-            </p:extLst>
-          </p:nvPr>
+          <p:nvPr/>
         </p:nvSpPr>
         <p:spPr>
           <a:xfrm>
@@ -4419,13 +4390,7 @@
       </p:sp>
       <p:sp>
         <p:nvSpPr>
-          <p:cNvPr id="2" name="Title 1">
-            <a:extLst>
-              <a:ext uri="{FF2B5EF4-FFF2-40B4-BE49-F238E27FC236}">
-                <a16:creationId xmlns:a16="http://schemas.microsoft.com/office/drawing/2014/main" id="{D1152A20-A40B-4FF6-BD98-03CD12A89866}"/>
-              </a:ext>
-            </a:extLst>
-          </p:cNvPr>
+          <p:cNvPr id="2" name="Title 1"/>
           <p:cNvSpPr>
             <a:spLocks noGrp="1"/>
           </p:cNvSpPr>
@@ -4461,18 +4426,17 @@
               </a:rPr>
               <a:t>年的三个阶段</a:t>
             </a:r>
-          </a:p>
-        </p:txBody>
-      </p:sp>
-      <p:sp>
-        <p:nvSpPr>
-          <p:cNvPr id="3" name="Content Placeholder 2">
-            <a:extLst>
-              <a:ext uri="{FF2B5EF4-FFF2-40B4-BE49-F238E27FC236}">
-                <a16:creationId xmlns:a16="http://schemas.microsoft.com/office/drawing/2014/main" id="{8BC0EDEA-A4D2-4666-9FA4-2BFDF4E0634F}"/>
-              </a:ext>
-            </a:extLst>
-          </p:cNvPr>
+            <a:endParaRPr lang="zh-CN" altLang="en-US">
+              <a:solidFill>
+                <a:schemeClr val="bg2"/>
+              </a:solidFill>
+            </a:endParaRPr>
+          </a:p>
+        </p:txBody>
+      </p:sp>
+      <p:sp>
+        <p:nvSpPr>
+          <p:cNvPr id="3" name="Content Placeholder 2"/>
           <p:cNvSpPr>
             <a:spLocks noGrp="1"/>
           </p:cNvSpPr>
@@ -4554,6 +4518,11 @@
               </a:rPr>
               <a:t>个月，立项和商业模型的确立。</a:t>
             </a:r>
+            <a:endParaRPr lang="zh-CN" altLang="en-US">
+              <a:solidFill>
+                <a:schemeClr val="bg2"/>
+              </a:solidFill>
+            </a:endParaRPr>
           </a:p>
           <a:p>
             <a:r>
@@ -4643,15 +4612,15 @@
               </a:rPr>
               <a:t>希望做好打两年硬仗的准备</a:t>
             </a:r>
+            <a:endParaRPr lang="zh-CN" altLang="en-US">
+              <a:solidFill>
+                <a:schemeClr val="bg2"/>
+              </a:solidFill>
+            </a:endParaRPr>
           </a:p>
         </p:txBody>
       </p:sp>
     </p:spTree>
-    <p:extLst>
-      <p:ext uri="{BB962C8B-B14F-4D97-AF65-F5344CB8AC3E}">
-        <p14:creationId xmlns:p14="http://schemas.microsoft.com/office/powerpoint/2010/main" val="1359437457"/>
-      </p:ext>
-    </p:extLst>
   </p:cSld>
   <p:clrMapOvr>
     <a:masterClrMapping/>
@@ -4686,23 +4655,11 @@
       </p:grpSpPr>
       <p:sp>
         <p:nvSpPr>
-          <p:cNvPr id="71" name="Rectangle 70">
-            <a:extLst>
-              <a:ext uri="{FF2B5EF4-FFF2-40B4-BE49-F238E27FC236}">
-                <a16:creationId xmlns:a16="http://schemas.microsoft.com/office/drawing/2014/main" id="{961D8973-EAA9-459A-AF59-BBB4233D6C78}"/>
-              </a:ext>
-            </a:extLst>
-          </p:cNvPr>
+          <p:cNvPr id="71" name="Rectangle 70"/>
           <p:cNvSpPr>
             <a:spLocks noGrp="1" noRot="1" noChangeAspect="1" noMove="1" noResize="1" noEditPoints="1" noAdjustHandles="1" noChangeArrowheads="1" noChangeShapeType="1" noTextEdit="1"/>
           </p:cNvSpPr>
-          <p:nvPr>
-            <p:extLst>
-              <p:ext uri="{386F3935-93C4-4BCD-93E2-E3B085C9AB24}">
-                <p16:designElem xmlns:p16="http://schemas.microsoft.com/office/powerpoint/2015/main" val="1"/>
-              </p:ext>
-            </p:extLst>
-          </p:nvPr>
+          <p:nvPr/>
         </p:nvSpPr>
         <p:spPr>
           <a:xfrm>
@@ -4746,23 +4703,11 @@
       </p:sp>
       <p:sp>
         <p:nvSpPr>
-          <p:cNvPr id="73" name="Rectangle 72" title="Side bar">
-            <a:extLst>
-              <a:ext uri="{FF2B5EF4-FFF2-40B4-BE49-F238E27FC236}">
-                <a16:creationId xmlns:a16="http://schemas.microsoft.com/office/drawing/2014/main" id="{FBEA8A33-C0D0-416D-8359-724B8828C7C3}"/>
-              </a:ext>
-            </a:extLst>
-          </p:cNvPr>
+          <p:cNvPr id="73" name="Rectangle 72" title="Side bar"/>
           <p:cNvSpPr>
             <a:spLocks noGrp="1" noRot="1" noChangeAspect="1" noMove="1" noResize="1" noEditPoints="1" noAdjustHandles="1" noChangeArrowheads="1" noChangeShapeType="1" noTextEdit="1"/>
           </p:cNvSpPr>
-          <p:nvPr>
-            <p:extLst>
-              <p:ext uri="{386F3935-93C4-4BCD-93E2-E3B085C9AB24}">
-                <p16:designElem xmlns:p16="http://schemas.microsoft.com/office/powerpoint/2015/main" val="1"/>
-              </p:ext>
-            </p:extLst>
-          </p:nvPr>
+          <p:nvPr/>
         </p:nvSpPr>
         <p:spPr>
           <a:xfrm>
@@ -4798,20 +4743,14 @@
       </p:sp>
       <p:pic>
         <p:nvPicPr>
-          <p:cNvPr id="2050" name="Picture 2" descr="https://timgsa.baidu.com/timg?image&amp;quality=80&amp;size=b9999_10000&amp;sec=1508934974535&amp;di=cffa2ce98cb45577bc2c51e52bee296c&amp;imgtype=0&amp;src=http%3A%2F%2Ffile06.16sucai.com%2F2016%2F0521%2F88d0ae68479f76b5b17176b6cfe1b820.jpg">
-            <a:extLst>
-              <a:ext uri="{FF2B5EF4-FFF2-40B4-BE49-F238E27FC236}">
-                <a16:creationId xmlns:a16="http://schemas.microsoft.com/office/drawing/2014/main" id="{EC389C90-DAFB-4BB6-AFFA-F274864768CC}"/>
-              </a:ext>
-            </a:extLst>
-          </p:cNvPr>
+          <p:cNvPr id="2050" name="Picture 2" descr="https://timgsa.baidu.com/timg?image&amp;quality=80&amp;size=b9999_10000&amp;sec=1508934974535&amp;di=cffa2ce98cb45577bc2c51e52bee296c&amp;imgtype=0&amp;src=http%3A%2F%2Ffile06.16sucai.com%2F2016%2F0521%2F88d0ae68479f76b5b17176b6cfe1b820.jpg"/>
           <p:cNvPicPr>
             <a:picLocks noChangeAspect="1" noChangeArrowheads="1"/>
           </p:cNvPicPr>
           <p:nvPr/>
         </p:nvPicPr>
         <p:blipFill rotWithShape="1">
-          <a:blip r:embed="rId2">
+          <a:blip r:embed="rId1">
             <a:extLst>
               <a:ext uri="{28A0092B-C50C-407E-A947-70E740481C1C}">
                 <a14:useLocalDpi xmlns:a14="http://schemas.microsoft.com/office/drawing/2010/main" val="0"/>
@@ -4819,7 +4758,9 @@
             </a:extLst>
           </a:blip>
           <a:srcRect l="31418" r="21837" b="1"/>
-          <a:stretch/>
+          <a:stretch>
+            <a:fillRect/>
+          </a:stretch>
         </p:blipFill>
         <p:spPr bwMode="auto">
           <a:xfrm>
@@ -4843,13 +4784,7 @@
       </p:pic>
       <p:sp>
         <p:nvSpPr>
-          <p:cNvPr id="2" name="Title 1">
-            <a:extLst>
-              <a:ext uri="{FF2B5EF4-FFF2-40B4-BE49-F238E27FC236}">
-                <a16:creationId xmlns:a16="http://schemas.microsoft.com/office/drawing/2014/main" id="{DB00D318-F4D8-43F3-BB4A-1E49EDCA8FB6}"/>
-              </a:ext>
-            </a:extLst>
-          </p:cNvPr>
+          <p:cNvPr id="2" name="Title 1"/>
           <p:cNvSpPr>
             <a:spLocks noGrp="1"/>
           </p:cNvSpPr>
@@ -4873,18 +4808,13 @@
               <a:rPr lang="zh-CN" altLang="en-US" dirty="0"/>
               <a:t>团队的三个目标</a:t>
             </a:r>
-          </a:p>
-        </p:txBody>
-      </p:sp>
-      <p:sp>
-        <p:nvSpPr>
-          <p:cNvPr id="3" name="Content Placeholder 2">
-            <a:extLst>
-              <a:ext uri="{FF2B5EF4-FFF2-40B4-BE49-F238E27FC236}">
-                <a16:creationId xmlns:a16="http://schemas.microsoft.com/office/drawing/2014/main" id="{31822433-4A08-4983-A74F-C7987CC16326}"/>
-              </a:ext>
-            </a:extLst>
-          </p:cNvPr>
+            <a:endParaRPr lang="zh-CN" altLang="en-US" dirty="0"/>
+          </a:p>
+        </p:txBody>
+      </p:sp>
+      <p:sp>
+        <p:nvSpPr>
+          <p:cNvPr id="3" name="Content Placeholder 2"/>
           <p:cNvSpPr>
             <a:spLocks noGrp="1"/>
           </p:cNvSpPr>
@@ -4976,11 +4906,6 @@
         </p:txBody>
       </p:sp>
     </p:spTree>
-    <p:extLst>
-      <p:ext uri="{BB962C8B-B14F-4D97-AF65-F5344CB8AC3E}">
-        <p14:creationId xmlns:p14="http://schemas.microsoft.com/office/powerpoint/2010/main" val="2150189924"/>
-      </p:ext>
-    </p:extLst>
   </p:cSld>
   <p:clrMapOvr>
     <a:masterClrMapping/>
@@ -5015,20 +4940,14 @@
       </p:grpSpPr>
       <p:pic>
         <p:nvPicPr>
-          <p:cNvPr id="3074" name="Picture 2" descr="https://timgsa.baidu.com/timg?image&amp;quality=80&amp;size=b9999_10000&amp;sec=1508935232687&amp;di=bdf9ee2ae72a4c33b50f017a346d2ce0&amp;imgtype=0&amp;src=http%3A%2F%2Fimgsrc.baidu.com%2Fimgad%2Fpic%2Fitem%2Fd1a20cf431adcbefb749e31ba6af2edda3cc9faa.jpg">
-            <a:extLst>
-              <a:ext uri="{FF2B5EF4-FFF2-40B4-BE49-F238E27FC236}">
-                <a16:creationId xmlns:a16="http://schemas.microsoft.com/office/drawing/2014/main" id="{1B332C9A-6E3A-40E3-A9E8-A6BCF8D11E5A}"/>
-              </a:ext>
-            </a:extLst>
-          </p:cNvPr>
+          <p:cNvPr id="3074" name="Picture 2" descr="https://timgsa.baidu.com/timg?image&amp;quality=80&amp;size=b9999_10000&amp;sec=1508935232687&amp;di=bdf9ee2ae72a4c33b50f017a346d2ce0&amp;imgtype=0&amp;src=http%3A%2F%2Fimgsrc.baidu.com%2Fimgad%2Fpic%2Fitem%2Fd1a20cf431adcbefb749e31ba6af2edda3cc9faa.jpg"/>
           <p:cNvPicPr>
             <a:picLocks noChangeAspect="1" noChangeArrowheads="1"/>
           </p:cNvPicPr>
           <p:nvPr/>
         </p:nvPicPr>
         <p:blipFill rotWithShape="1">
-          <a:blip r:embed="rId2">
+          <a:blip r:embed="rId1">
             <a:extLst>
               <a:ext uri="{28A0092B-C50C-407E-A947-70E740481C1C}">
                 <a14:useLocalDpi xmlns:a14="http://schemas.microsoft.com/office/drawing/2010/main" val="0"/>
@@ -5036,7 +4955,9 @@
             </a:extLst>
           </a:blip>
           <a:srcRect t="3748" r="1" b="11643"/>
-          <a:stretch/>
+          <a:stretch>
+            <a:fillRect/>
+          </a:stretch>
         </p:blipFill>
         <p:spPr bwMode="auto">
           <a:xfrm>
@@ -5060,23 +4981,11 @@
       </p:pic>
       <p:sp>
         <p:nvSpPr>
-          <p:cNvPr id="71" name="Rectangle 70">
-            <a:extLst>
-              <a:ext uri="{FF2B5EF4-FFF2-40B4-BE49-F238E27FC236}">
-                <a16:creationId xmlns:a16="http://schemas.microsoft.com/office/drawing/2014/main" id="{BC46CD03-D076-40A3-9AA4-2B7BB288B160}"/>
-              </a:ext>
-            </a:extLst>
-          </p:cNvPr>
+          <p:cNvPr id="71" name="Rectangle 70"/>
           <p:cNvSpPr>
             <a:spLocks noGrp="1" noRot="1" noChangeAspect="1" noMove="1" noResize="1" noEditPoints="1" noAdjustHandles="1" noChangeArrowheads="1" noChangeShapeType="1" noTextEdit="1"/>
           </p:cNvSpPr>
-          <p:nvPr>
-            <p:extLst>
-              <p:ext uri="{386F3935-93C4-4BCD-93E2-E3B085C9AB24}">
-                <p16:designElem xmlns:p16="http://schemas.microsoft.com/office/powerpoint/2015/main" val="1"/>
-              </p:ext>
-            </p:extLst>
-          </p:nvPr>
+          <p:nvPr/>
         </p:nvSpPr>
         <p:spPr>
           <a:xfrm>
@@ -5133,23 +5042,11 @@
       </p:sp>
       <p:sp>
         <p:nvSpPr>
-          <p:cNvPr id="73" name="Rectangle 72" title="Side bar">
-            <a:extLst>
-              <a:ext uri="{FF2B5EF4-FFF2-40B4-BE49-F238E27FC236}">
-                <a16:creationId xmlns:a16="http://schemas.microsoft.com/office/drawing/2014/main" id="{88D28697-83F7-4C09-A9B2-6CAA58855626}"/>
-              </a:ext>
-            </a:extLst>
-          </p:cNvPr>
+          <p:cNvPr id="73" name="Rectangle 72" title="Side bar"/>
           <p:cNvSpPr>
             <a:spLocks noGrp="1" noRot="1" noChangeAspect="1" noMove="1" noResize="1" noEditPoints="1" noAdjustHandles="1" noChangeArrowheads="1" noChangeShapeType="1" noTextEdit="1"/>
           </p:cNvSpPr>
-          <p:nvPr>
-            <p:extLst>
-              <p:ext uri="{386F3935-93C4-4BCD-93E2-E3B085C9AB24}">
-                <p16:designElem xmlns:p16="http://schemas.microsoft.com/office/powerpoint/2015/main" val="1"/>
-              </p:ext>
-            </p:extLst>
-          </p:nvPr>
+          <p:nvPr/>
         </p:nvSpPr>
         <p:spPr>
           <a:xfrm>
@@ -5185,13 +5082,7 @@
       </p:sp>
       <p:sp>
         <p:nvSpPr>
-          <p:cNvPr id="2" name="Title 1">
-            <a:extLst>
-              <a:ext uri="{FF2B5EF4-FFF2-40B4-BE49-F238E27FC236}">
-                <a16:creationId xmlns:a16="http://schemas.microsoft.com/office/drawing/2014/main" id="{63E578DD-C353-4797-8312-6D21C28E78CB}"/>
-              </a:ext>
-            </a:extLst>
-          </p:cNvPr>
+          <p:cNvPr id="2" name="Title 1"/>
           <p:cNvSpPr>
             <a:spLocks noGrp="1"/>
           </p:cNvSpPr>
@@ -5223,18 +5114,13 @@
               <a:rPr lang="zh-CN" altLang="en-US" dirty="0"/>
               <a:t>慢！慢！慢！</a:t>
             </a:r>
-          </a:p>
-        </p:txBody>
-      </p:sp>
-      <p:sp>
-        <p:nvSpPr>
-          <p:cNvPr id="3" name="Content Placeholder 2">
-            <a:extLst>
-              <a:ext uri="{FF2B5EF4-FFF2-40B4-BE49-F238E27FC236}">
-                <a16:creationId xmlns:a16="http://schemas.microsoft.com/office/drawing/2014/main" id="{AA6F6D0B-4DDD-4E9F-85DC-746497A10BC9}"/>
-              </a:ext>
-            </a:extLst>
-          </p:cNvPr>
+            <a:endParaRPr lang="zh-CN" altLang="en-US" dirty="0"/>
+          </a:p>
+        </p:txBody>
+      </p:sp>
+      <p:sp>
+        <p:nvSpPr>
+          <p:cNvPr id="3" name="Content Placeholder 2"/>
           <p:cNvSpPr>
             <a:spLocks noGrp="1"/>
           </p:cNvSpPr>
@@ -5262,6 +5148,7 @@
               <a:rPr lang="zh-CN" altLang="en-US" sz="1700" b="1"/>
               <a:t>（第一阶段）</a:t>
             </a:r>
+            <a:endParaRPr lang="zh-CN" altLang="en-US" sz="1700" b="1"/>
           </a:p>
           <a:p>
             <a:r>
@@ -5275,16 +5162,17 @@
             <a:endParaRPr lang="en-US" altLang="zh-CN" sz="1700" b="1"/>
           </a:p>
           <a:p>
-            <a:pPr marL="530352" lvl="1" indent="0">
+            <a:pPr marL="530225" lvl="1" indent="0">
               <a:buNone/>
             </a:pPr>
             <a:r>
               <a:rPr lang="zh-CN" altLang="en-US" sz="1700"/>
               <a:t>事实上，</a:t>
             </a:r>
-          </a:p>
-          <a:p>
-            <a:pPr marL="987552" lvl="2" indent="0">
+            <a:endParaRPr lang="zh-CN" altLang="en-US" sz="1700"/>
+          </a:p>
+          <a:p>
+            <a:pPr marL="987425" lvl="2" indent="0">
               <a:buNone/>
             </a:pPr>
             <a:r>
@@ -5295,9 +5183,10 @@
               <a:rPr lang="zh-CN" altLang="en-US" sz="1700"/>
               <a:t>个月应该完成产品</a:t>
             </a:r>
-          </a:p>
-          <a:p>
-            <a:pPr marL="987552" lvl="2" indent="0">
+            <a:endParaRPr lang="zh-CN" altLang="en-US" sz="1700"/>
+          </a:p>
+          <a:p>
+            <a:pPr marL="987425" lvl="2" indent="0">
               <a:buNone/>
             </a:pPr>
             <a:r>
@@ -5308,9 +5197,10 @@
               <a:rPr lang="zh-CN" altLang="en-US" sz="1700"/>
               <a:t>个月交付需求方进行需求和功能，设计上的调整</a:t>
             </a:r>
-          </a:p>
-          <a:p>
-            <a:pPr marL="987552" lvl="2" indent="0">
+            <a:endParaRPr lang="zh-CN" altLang="en-US" sz="1700"/>
+          </a:p>
+          <a:p>
+            <a:pPr marL="987425" lvl="2" indent="0">
               <a:buNone/>
             </a:pPr>
             <a:r>
@@ -5345,11 +5235,6 @@
         </p:txBody>
       </p:sp>
     </p:spTree>
-    <p:extLst>
-      <p:ext uri="{BB962C8B-B14F-4D97-AF65-F5344CB8AC3E}">
-        <p14:creationId xmlns:p14="http://schemas.microsoft.com/office/powerpoint/2010/main" val="2299914103"/>
-      </p:ext>
-    </p:extLst>
   </p:cSld>
   <p:clrMapOvr>
     <a:masterClrMapping/>
@@ -5376,13 +5261,7 @@
       </p:grpSpPr>
       <p:sp>
         <p:nvSpPr>
-          <p:cNvPr id="4" name="Title 3">
-            <a:extLst>
-              <a:ext uri="{FF2B5EF4-FFF2-40B4-BE49-F238E27FC236}">
-                <a16:creationId xmlns:a16="http://schemas.microsoft.com/office/drawing/2014/main" id="{C8C2E5C4-7A42-4B06-870A-D9D2C8DFD3A6}"/>
-              </a:ext>
-            </a:extLst>
-          </p:cNvPr>
+          <p:cNvPr id="4" name="Title 3"/>
           <p:cNvSpPr>
             <a:spLocks noGrp="1"/>
           </p:cNvSpPr>
@@ -5402,18 +5281,16 @@
               </a:rPr>
               <a:t>感谢观看！</a:t>
             </a:r>
-          </a:p>
-        </p:txBody>
-      </p:sp>
-      <p:sp>
-        <p:nvSpPr>
-          <p:cNvPr id="5" name="矩形 11">
-            <a:extLst>
-              <a:ext uri="{FF2B5EF4-FFF2-40B4-BE49-F238E27FC236}">
-                <a16:creationId xmlns:a16="http://schemas.microsoft.com/office/drawing/2014/main" id="{143147D3-FA1A-40CF-A41A-8BA36BA4F173}"/>
-              </a:ext>
-            </a:extLst>
-          </p:cNvPr>
+            <a:endParaRPr lang="zh-CN" altLang="en-US" dirty="0">
+              <a:latin typeface="微软雅黑" panose="020B0503020204020204" pitchFamily="34" charset="-122"/>
+              <a:ea typeface="微软雅黑" panose="020B0503020204020204" pitchFamily="34" charset="-122"/>
+            </a:endParaRPr>
+          </a:p>
+        </p:txBody>
+      </p:sp>
+      <p:sp>
+        <p:nvSpPr>
+          <p:cNvPr id="5" name="矩形 11"/>
           <p:cNvSpPr/>
           <p:nvPr/>
         </p:nvSpPr>
@@ -5454,18 +5331,16 @@
               </a:rPr>
               <a:t>技术总监</a:t>
             </a:r>
-          </a:p>
-        </p:txBody>
-      </p:sp>
-      <p:sp>
-        <p:nvSpPr>
-          <p:cNvPr id="6" name="矩形 12">
-            <a:extLst>
-              <a:ext uri="{FF2B5EF4-FFF2-40B4-BE49-F238E27FC236}">
-                <a16:creationId xmlns:a16="http://schemas.microsoft.com/office/drawing/2014/main" id="{3882529B-51E3-41CB-A324-818D17785F6C}"/>
-              </a:ext>
-            </a:extLst>
-          </p:cNvPr>
+            <a:endParaRPr lang="zh-CN" altLang="en-US" sz="2400" b="1" dirty="0">
+              <a:latin typeface="Cambria" panose="02040503050406030204" pitchFamily="18" charset="0"/>
+              <a:ea typeface="微软雅黑" panose="020B0503020204020204" pitchFamily="34" charset="-122"/>
+            </a:endParaRPr>
+          </a:p>
+        </p:txBody>
+      </p:sp>
+      <p:sp>
+        <p:nvSpPr>
+          <p:cNvPr id="6" name="矩形 12"/>
           <p:cNvSpPr/>
           <p:nvPr/>
         </p:nvSpPr>
@@ -5499,6 +5374,10 @@
               </a:rPr>
               <a:t>13751082562</a:t>
             </a:r>
+            <a:endParaRPr lang="en-US" dirty="0">
+              <a:latin typeface="方正兰亭刊黑_GBK" panose="02000000000000000000" pitchFamily="2" charset="-122"/>
+              <a:ea typeface="方正兰亭刊黑_GBK" panose="02000000000000000000" pitchFamily="2" charset="-122"/>
+            </a:endParaRPr>
           </a:p>
           <a:p>
             <a:pPr algn="l"/>
@@ -5548,6 +5427,11 @@
               </a:rPr>
               <a:t>359304951</a:t>
             </a:r>
+            <a:endParaRPr lang="en-US" altLang="zh-CN" dirty="0">
+              <a:latin typeface="方正兰亭刊黑_GBK" panose="02000000000000000000" pitchFamily="2" charset="-122"/>
+              <a:ea typeface="方正兰亭刊黑_GBK" panose="02000000000000000000" pitchFamily="2" charset="-122"/>
+              <a:sym typeface="+mn-ea"/>
+            </a:endParaRPr>
           </a:p>
           <a:p>
             <a:pPr algn="l"/>
@@ -5580,7 +5464,7 @@
                 <a:latin typeface="方正兰亭刊黑_GBK" panose="02000000000000000000" pitchFamily="2" charset="-122"/>
                 <a:ea typeface="方正兰亭刊黑_GBK" panose="02000000000000000000" pitchFamily="2" charset="-122"/>
                 <a:sym typeface="+mn-ea"/>
-                <a:hlinkClick r:id="rId2"/>
+                <a:hlinkClick r:id="rId1"/>
               </a:rPr>
               <a:t>alucard263096@126.com</a:t>
             </a:r>
@@ -5613,7 +5497,7 @@
                 <a:latin typeface="方正兰亭刊黑_GBK" panose="02000000000000000000" pitchFamily="2" charset="-122"/>
                 <a:ea typeface="方正兰亭刊黑_GBK" panose="02000000000000000000" pitchFamily="2" charset="-122"/>
                 <a:sym typeface="+mn-ea"/>
-                <a:hlinkClick r:id="rId3"/>
+                <a:hlinkClick r:id="rId2"/>
               </a:rPr>
               <a:t>http://www.helpfooter</a:t>
             </a:r>
@@ -5622,7 +5506,7 @@
                 <a:latin typeface="方正兰亭刊黑_GBK" panose="02000000000000000000" pitchFamily="2" charset="-122"/>
                 <a:ea typeface="方正兰亭刊黑_GBK" panose="02000000000000000000" pitchFamily="2" charset="-122"/>
                 <a:sym typeface="+mn-ea"/>
-                <a:hlinkClick r:id="rId3"/>
+                <a:hlinkClick r:id="rId2"/>
               </a:rPr>
               <a:t>.com</a:t>
             </a:r>
@@ -5644,13 +5528,7 @@
       </p:sp>
       <p:grpSp>
         <p:nvGrpSpPr>
-          <p:cNvPr id="7" name="组合 13">
-            <a:extLst>
-              <a:ext uri="{FF2B5EF4-FFF2-40B4-BE49-F238E27FC236}">
-                <a16:creationId xmlns:a16="http://schemas.microsoft.com/office/drawing/2014/main" id="{776BEA7F-3716-45C8-B17D-59A86995D533}"/>
-              </a:ext>
-            </a:extLst>
-          </p:cNvPr>
+          <p:cNvPr id="7" name="组合 13"/>
           <p:cNvGrpSpPr/>
           <p:nvPr/>
         </p:nvGrpSpPr>
@@ -5667,13 +5545,7 @@
         </p:grpSpPr>
         <p:sp>
           <p:nvSpPr>
-            <p:cNvPr id="8" name="Freeform 5">
-              <a:extLst>
-                <a:ext uri="{FF2B5EF4-FFF2-40B4-BE49-F238E27FC236}">
-                  <a16:creationId xmlns:a16="http://schemas.microsoft.com/office/drawing/2014/main" id="{705D9437-DF0D-43D3-9779-3435C59C1846}"/>
-                </a:ext>
-              </a:extLst>
-            </p:cNvPr>
+            <p:cNvPr id="8" name="Freeform 5"/>
             <p:cNvSpPr>
               <a:spLocks noChangeAspect="1" noEditPoints="1"/>
             </p:cNvSpPr>
@@ -6325,13 +6197,7 @@
         </p:sp>
         <p:sp>
           <p:nvSpPr>
-            <p:cNvPr id="9" name="Freeform 6">
-              <a:extLst>
-                <a:ext uri="{FF2B5EF4-FFF2-40B4-BE49-F238E27FC236}">
-                  <a16:creationId xmlns:a16="http://schemas.microsoft.com/office/drawing/2014/main" id="{DE831453-EAF7-4237-915B-B12FC0514D41}"/>
-                </a:ext>
-              </a:extLst>
-            </p:cNvPr>
+            <p:cNvPr id="9" name="Freeform 6"/>
             <p:cNvSpPr/>
             <p:nvPr/>
           </p:nvSpPr>
@@ -6628,13 +6494,7 @@
       </p:grpSp>
       <p:sp>
         <p:nvSpPr>
-          <p:cNvPr id="10" name="Freeform 18">
-            <a:extLst>
-              <a:ext uri="{FF2B5EF4-FFF2-40B4-BE49-F238E27FC236}">
-                <a16:creationId xmlns:a16="http://schemas.microsoft.com/office/drawing/2014/main" id="{95089EC9-7D4A-4E98-9944-2A029B2BB8D3}"/>
-              </a:ext>
-            </a:extLst>
-          </p:cNvPr>
+          <p:cNvPr id="10" name="Freeform 18"/>
           <p:cNvSpPr>
             <a:spLocks noEditPoints="1"/>
           </p:cNvSpPr>
@@ -7252,13 +7112,7 @@
       </p:sp>
       <p:sp>
         <p:nvSpPr>
-          <p:cNvPr id="11" name="Freeform 10">
-            <a:extLst>
-              <a:ext uri="{FF2B5EF4-FFF2-40B4-BE49-F238E27FC236}">
-                <a16:creationId xmlns:a16="http://schemas.microsoft.com/office/drawing/2014/main" id="{0587AEF5-6B02-4A9F-BAF4-68538BB86F30}"/>
-              </a:ext>
-            </a:extLst>
-          </p:cNvPr>
+          <p:cNvPr id="11" name="Freeform 10"/>
           <p:cNvSpPr>
             <a:spLocks noChangeAspect="1" noEditPoints="1"/>
           </p:cNvSpPr>
@@ -7615,20 +7469,14 @@
       </p:sp>
       <p:pic>
         <p:nvPicPr>
-          <p:cNvPr id="12" name="44B7C0F4-79DB-4F8B-9303-0E098D69D8BE-1" descr="qt_temp">
-            <a:extLst>
-              <a:ext uri="{FF2B5EF4-FFF2-40B4-BE49-F238E27FC236}">
-                <a16:creationId xmlns:a16="http://schemas.microsoft.com/office/drawing/2014/main" id="{77D70A8A-D919-4B5F-B200-29F5E0DCD593}"/>
-              </a:ext>
-            </a:extLst>
-          </p:cNvPr>
+          <p:cNvPr id="12" name="44B7C0F4-79DB-4F8B-9303-0E098D69D8BE-1" descr="qt_temp"/>
           <p:cNvPicPr>
             <a:picLocks noChangeAspect="1"/>
           </p:cNvPicPr>
           <p:nvPr/>
         </p:nvPicPr>
         <p:blipFill>
-          <a:blip r:embed="rId4"/>
+          <a:blip r:embed="rId3"/>
           <a:stretch>
             <a:fillRect/>
           </a:stretch>
@@ -7645,13 +7493,7 @@
       </p:pic>
       <p:sp>
         <p:nvSpPr>
-          <p:cNvPr id="13" name="文本框 5">
-            <a:extLst>
-              <a:ext uri="{FF2B5EF4-FFF2-40B4-BE49-F238E27FC236}">
-                <a16:creationId xmlns:a16="http://schemas.microsoft.com/office/drawing/2014/main" id="{57915308-84D9-4440-BA7C-9EBCA255617B}"/>
-              </a:ext>
-            </a:extLst>
-          </p:cNvPr>
+          <p:cNvPr id="13" name="文本框 5"/>
           <p:cNvSpPr txBox="1"/>
           <p:nvPr/>
         </p:nvSpPr>
@@ -7678,18 +7520,16 @@
               </a:rPr>
               <a:t>微信加我</a:t>
             </a:r>
-          </a:p>
-        </p:txBody>
-      </p:sp>
-      <p:sp>
-        <p:nvSpPr>
-          <p:cNvPr id="14" name="Freeform 10">
-            <a:extLst>
-              <a:ext uri="{FF2B5EF4-FFF2-40B4-BE49-F238E27FC236}">
-                <a16:creationId xmlns:a16="http://schemas.microsoft.com/office/drawing/2014/main" id="{EFAD77D9-24BB-4954-B325-D028AF3FF209}"/>
-              </a:ext>
-            </a:extLst>
-          </p:cNvPr>
+            <a:endParaRPr lang="zh-CN" altLang="en-US" dirty="0">
+              <a:latin typeface="微软雅黑" panose="020B0503020204020204" pitchFamily="34" charset="-122"/>
+              <a:ea typeface="微软雅黑" panose="020B0503020204020204" pitchFamily="34" charset="-122"/>
+            </a:endParaRPr>
+          </a:p>
+        </p:txBody>
+      </p:sp>
+      <p:sp>
+        <p:nvSpPr>
+          <p:cNvPr id="14" name="Freeform 10"/>
           <p:cNvSpPr>
             <a:spLocks noChangeAspect="1" noEditPoints="1"/>
           </p:cNvSpPr>
@@ -8046,20 +7886,14 @@
       </p:sp>
       <p:pic>
         <p:nvPicPr>
-          <p:cNvPr id="15" name="Picture 14">
-            <a:extLst>
-              <a:ext uri="{FF2B5EF4-FFF2-40B4-BE49-F238E27FC236}">
-                <a16:creationId xmlns:a16="http://schemas.microsoft.com/office/drawing/2014/main" id="{4FCD22C0-F8BC-4AE9-BA68-C688E83C1537}"/>
-              </a:ext>
-            </a:extLst>
-          </p:cNvPr>
+          <p:cNvPr id="15" name="Picture 14"/>
           <p:cNvPicPr>
             <a:picLocks noChangeAspect="1"/>
           </p:cNvPicPr>
           <p:nvPr/>
         </p:nvPicPr>
         <p:blipFill>
-          <a:blip r:embed="rId5"/>
+          <a:blip r:embed="rId4"/>
           <a:stretch>
             <a:fillRect/>
           </a:stretch>
@@ -8075,11 +7909,6 @@
         </p:spPr>
       </p:pic>
     </p:spTree>
-    <p:extLst>
-      <p:ext uri="{BB962C8B-B14F-4D97-AF65-F5344CB8AC3E}">
-        <p14:creationId xmlns:p14="http://schemas.microsoft.com/office/powerpoint/2010/main" val="25098108"/>
-      </p:ext>
-    </p:extLst>
   </p:cSld>
   <p:clrMapOvr>
     <a:masterClrMapping/>
@@ -8130,7 +7959,7 @@
     </a:clrScheme>
     <a:fontScheme name="Crop">
       <a:majorFont>
-        <a:latin typeface="Franklin Gothic Book" panose="020B0503020102020204"/>
+        <a:latin typeface="Franklin Gothic Book"/>
         <a:ea typeface=""/>
         <a:cs typeface=""/>
         <a:font script="Jpan" typeface="メイリオ"/>
@@ -8165,7 +7994,7 @@
         <a:font script="Geor" typeface="Sylfaen"/>
       </a:majorFont>
       <a:minorFont>
-        <a:latin typeface="Franklin Gothic Book" panose="020B0503020102020204"/>
+        <a:latin typeface="Franklin Gothic Book"/>
         <a:ea typeface=""/>
         <a:cs typeface=""/>
         <a:font script="Jpan" typeface="メイリオ"/>
@@ -8335,11 +8164,9 @@
       </a:bgFillStyleLst>
     </a:fmtScheme>
   </a:themeElements>
-  <a:objectDefaults/>
-  <a:extraClrSchemeLst/>
   <a:extLst>
     <a:ext uri="{05A4C25C-085E-4340-85A3-A5531E510DB2}">
-      <thm15:themeFamily xmlns:thm15="http://schemas.microsoft.com/office/thememl/2012/main" name="Crop" id="{EC9488ED-E761-4D60-9AC4-764D1FE2C171}" vid="{CE19780C-D67D-4C13-9DE9-A52BC3BA51B4}"/>
+      <thm15:themeFamily xmlns:thm15="http://schemas.microsoft.com/office/thememl/2012/main" name="Office Theme" id="{62F939B6-93AF-4DB8-9C6B-D6C7DFDC589F}" vid="{4A3C46E8-61CC-4603-A589-7422A47A8E4A}"/>
     </a:ext>
   </a:extLst>
 </a:theme>
